--- a/1-2/CB1501010/Introduction to Electrical and Electronic Engineering/015/EE_2023_숙제5.pptx
+++ b/1-2/CB1501010/Introduction to Electrical and Electronic Engineering/015/EE_2023_숙제5.pptx
@@ -2357,13 +2357,13 @@
   <p:clrMapOvr>
     <a:masterClrMapping/>
   </p:clrMapOvr>
-  <mc:AlternateContent xmlns:mc="http://schemas.openxmlformats.org/markup-compatibility/2006">
-    <mc:Choice xmlns:p159="http://schemas.microsoft.com/office/powerpoint/2015/09/main" Requires="p159">
+  <mc:AlternateContent xmlns:mc="http://schemas.openxmlformats.org/markup-compatibility/2006" xmlns:p159="http://schemas.microsoft.com/office/powerpoint/2015/09/main">
+    <mc:Choice Requires="p159">
       <p:transition>
         <p159:morph option="byChar"/>
       </p:transition>
     </mc:Choice>
-    <mc:Fallback>
+    <mc:Fallback xmlns="">
       <p:transition>
         <p:fade/>
       </p:transition>
@@ -2482,13 +2482,13 @@
   <p:clrMapOvr>
     <a:masterClrMapping/>
   </p:clrMapOvr>
-  <mc:AlternateContent xmlns:mc="http://schemas.openxmlformats.org/markup-compatibility/2006">
-    <mc:Choice xmlns:p159="http://schemas.microsoft.com/office/powerpoint/2015/09/main" Requires="p159">
+  <mc:AlternateContent xmlns:mc="http://schemas.openxmlformats.org/markup-compatibility/2006" xmlns:p159="http://schemas.microsoft.com/office/powerpoint/2015/09/main">
+    <mc:Choice Requires="p159">
       <p:transition>
         <p159:morph option="byChar"/>
       </p:transition>
     </mc:Choice>
-    <mc:Fallback>
+    <mc:Fallback xmlns="">
       <p:transition>
         <p:fade/>
       </p:transition>
@@ -2663,13 +2663,13 @@
   <p:clrMapOvr>
     <a:masterClrMapping/>
   </p:clrMapOvr>
-  <mc:AlternateContent xmlns:mc="http://schemas.openxmlformats.org/markup-compatibility/2006">
-    <mc:Choice xmlns:p159="http://schemas.microsoft.com/office/powerpoint/2015/09/main" Requires="p159">
+  <mc:AlternateContent xmlns:mc="http://schemas.openxmlformats.org/markup-compatibility/2006" xmlns:p159="http://schemas.microsoft.com/office/powerpoint/2015/09/main">
+    <mc:Choice Requires="p159">
       <p:transition>
         <p159:morph option="byChar"/>
       </p:transition>
     </mc:Choice>
-    <mc:Fallback>
+    <mc:Fallback xmlns="">
       <p:transition>
         <p:fade/>
       </p:transition>
@@ -2900,13 +2900,13 @@
   <p:clrMapOvr>
     <a:masterClrMapping/>
   </p:clrMapOvr>
-  <mc:AlternateContent xmlns:mc="http://schemas.openxmlformats.org/markup-compatibility/2006">
-    <mc:Choice xmlns:p159="http://schemas.microsoft.com/office/powerpoint/2015/09/main" Requires="p159">
+  <mc:AlternateContent xmlns:mc="http://schemas.openxmlformats.org/markup-compatibility/2006" xmlns:p159="http://schemas.microsoft.com/office/powerpoint/2015/09/main">
+    <mc:Choice Requires="p159">
       <p:transition>
         <p159:morph option="byChar"/>
       </p:transition>
     </mc:Choice>
-    <mc:Fallback>
+    <mc:Fallback xmlns="">
       <p:transition>
         <p:fade/>
       </p:transition>
@@ -3033,13 +3033,13 @@
   <p:clrMapOvr>
     <a:masterClrMapping/>
   </p:clrMapOvr>
-  <mc:AlternateContent xmlns:mc="http://schemas.openxmlformats.org/markup-compatibility/2006">
-    <mc:Choice xmlns:p159="http://schemas.microsoft.com/office/powerpoint/2015/09/main" Requires="p159">
+  <mc:AlternateContent xmlns:mc="http://schemas.openxmlformats.org/markup-compatibility/2006" xmlns:p159="http://schemas.microsoft.com/office/powerpoint/2015/09/main">
+    <mc:Choice Requires="p159">
       <p:transition>
         <p159:morph option="byChar"/>
       </p:transition>
     </mc:Choice>
-    <mc:Fallback>
+    <mc:Fallback xmlns="">
       <p:transition>
         <p:fade/>
       </p:transition>
@@ -3148,13 +3148,13 @@
   <p:clrMapOvr>
     <a:masterClrMapping/>
   </p:clrMapOvr>
-  <mc:AlternateContent xmlns:mc="http://schemas.openxmlformats.org/markup-compatibility/2006">
-    <mc:Choice xmlns:p159="http://schemas.microsoft.com/office/powerpoint/2015/09/main" Requires="p159">
+  <mc:AlternateContent xmlns:mc="http://schemas.openxmlformats.org/markup-compatibility/2006" xmlns:p159="http://schemas.microsoft.com/office/powerpoint/2015/09/main">
+    <mc:Choice Requires="p159">
       <p:transition>
         <p159:morph option="byChar"/>
       </p:transition>
     </mc:Choice>
-    <mc:Fallback>
+    <mc:Fallback xmlns="">
       <p:transition>
         <p:fade/>
       </p:transition>
@@ -3286,13 +3286,13 @@
   <p:clrMapOvr>
     <a:masterClrMapping/>
   </p:clrMapOvr>
-  <mc:AlternateContent xmlns:mc="http://schemas.openxmlformats.org/markup-compatibility/2006">
-    <mc:Choice xmlns:p159="http://schemas.microsoft.com/office/powerpoint/2015/09/main" Requires="p159">
+  <mc:AlternateContent xmlns:mc="http://schemas.openxmlformats.org/markup-compatibility/2006" xmlns:p159="http://schemas.microsoft.com/office/powerpoint/2015/09/main">
+    <mc:Choice Requires="p159">
       <p:transition>
         <p159:morph option="byChar"/>
       </p:transition>
     </mc:Choice>
-    <mc:Fallback>
+    <mc:Fallback xmlns="">
       <p:transition>
         <p:fade/>
       </p:transition>
@@ -3518,13 +3518,13 @@
   <p:clrMapOvr>
     <a:masterClrMapping/>
   </p:clrMapOvr>
-  <mc:AlternateContent xmlns:mc="http://schemas.openxmlformats.org/markup-compatibility/2006">
-    <mc:Choice xmlns:p159="http://schemas.microsoft.com/office/powerpoint/2015/09/main" Requires="p159">
+  <mc:AlternateContent xmlns:mc="http://schemas.openxmlformats.org/markup-compatibility/2006" xmlns:p159="http://schemas.microsoft.com/office/powerpoint/2015/09/main">
+    <mc:Choice Requires="p159">
       <p:transition>
         <p159:morph option="byChar"/>
       </p:transition>
     </mc:Choice>
-    <mc:Fallback>
+    <mc:Fallback xmlns="">
       <p:transition>
         <p:fade/>
       </p:transition>
@@ -3889,13 +3889,13 @@
   <p:clrMapOvr>
     <a:masterClrMapping/>
   </p:clrMapOvr>
-  <mc:AlternateContent xmlns:mc="http://schemas.openxmlformats.org/markup-compatibility/2006">
-    <mc:Choice xmlns:p159="http://schemas.microsoft.com/office/powerpoint/2015/09/main" Requires="p159">
+  <mc:AlternateContent xmlns:mc="http://schemas.openxmlformats.org/markup-compatibility/2006" xmlns:p159="http://schemas.microsoft.com/office/powerpoint/2015/09/main">
+    <mc:Choice Requires="p159">
       <p:transition>
         <p159:morph option="byChar"/>
       </p:transition>
     </mc:Choice>
-    <mc:Fallback>
+    <mc:Fallback xmlns="">
       <p:transition>
         <p:fade/>
       </p:transition>
@@ -3953,13 +3953,13 @@
   <p:clrMapOvr>
     <a:masterClrMapping/>
   </p:clrMapOvr>
-  <mc:AlternateContent xmlns:mc="http://schemas.openxmlformats.org/markup-compatibility/2006">
-    <mc:Choice xmlns:p159="http://schemas.microsoft.com/office/powerpoint/2015/09/main" Requires="p159">
+  <mc:AlternateContent xmlns:mc="http://schemas.openxmlformats.org/markup-compatibility/2006" xmlns:p159="http://schemas.microsoft.com/office/powerpoint/2015/09/main">
+    <mc:Choice Requires="p159">
       <p:transition>
         <p159:morph option="byChar"/>
       </p:transition>
     </mc:Choice>
-    <mc:Fallback>
+    <mc:Fallback xmlns="">
       <p:transition>
         <p:fade/>
       </p:transition>
@@ -3995,13 +3995,13 @@
   <p:clrMapOvr>
     <a:masterClrMapping/>
   </p:clrMapOvr>
-  <mc:AlternateContent xmlns:mc="http://schemas.openxmlformats.org/markup-compatibility/2006">
-    <mc:Choice xmlns:p159="http://schemas.microsoft.com/office/powerpoint/2015/09/main" Requires="p159">
+  <mc:AlternateContent xmlns:mc="http://schemas.openxmlformats.org/markup-compatibility/2006" xmlns:p159="http://schemas.microsoft.com/office/powerpoint/2015/09/main">
+    <mc:Choice Requires="p159">
       <p:transition>
         <p159:morph option="byChar"/>
       </p:transition>
     </mc:Choice>
-    <mc:Fallback>
+    <mc:Fallback xmlns="">
       <p:transition>
         <p:fade/>
       </p:transition>
@@ -4186,13 +4186,13 @@
   <p:clrMapOvr>
     <a:masterClrMapping/>
   </p:clrMapOvr>
-  <mc:AlternateContent xmlns:mc="http://schemas.openxmlformats.org/markup-compatibility/2006">
-    <mc:Choice xmlns:p159="http://schemas.microsoft.com/office/powerpoint/2015/09/main" Requires="p159">
+  <mc:AlternateContent xmlns:mc="http://schemas.openxmlformats.org/markup-compatibility/2006" xmlns:p159="http://schemas.microsoft.com/office/powerpoint/2015/09/main">
+    <mc:Choice Requires="p159">
       <p:transition>
         <p159:morph option="byChar"/>
       </p:transition>
     </mc:Choice>
-    <mc:Fallback>
+    <mc:Fallback xmlns="">
       <p:transition>
         <p:fade/>
       </p:transition>
@@ -4408,13 +4408,13 @@
   <p:clrMapOvr>
     <a:masterClrMapping/>
   </p:clrMapOvr>
-  <mc:AlternateContent xmlns:mc="http://schemas.openxmlformats.org/markup-compatibility/2006">
-    <mc:Choice xmlns:p159="http://schemas.microsoft.com/office/powerpoint/2015/09/main" Requires="p159">
+  <mc:AlternateContent xmlns:mc="http://schemas.openxmlformats.org/markup-compatibility/2006" xmlns:p159="http://schemas.microsoft.com/office/powerpoint/2015/09/main">
+    <mc:Choice Requires="p159">
       <p:transition>
         <p159:morph option="byChar"/>
       </p:transition>
     </mc:Choice>
-    <mc:Fallback>
+    <mc:Fallback xmlns="">
       <p:transition>
         <p:fade/>
       </p:transition>
@@ -4608,13 +4608,13 @@
   <p:clrMapOvr>
     <a:masterClrMapping/>
   </p:clrMapOvr>
-  <mc:AlternateContent xmlns:mc="http://schemas.openxmlformats.org/markup-compatibility/2006">
-    <mc:Choice xmlns:p159="http://schemas.microsoft.com/office/powerpoint/2015/09/main" Requires="p159">
+  <mc:AlternateContent xmlns:mc="http://schemas.openxmlformats.org/markup-compatibility/2006" xmlns:p159="http://schemas.microsoft.com/office/powerpoint/2015/09/main">
+    <mc:Choice Requires="p159">
       <p:transition>
         <p159:morph option="byChar"/>
       </p:transition>
     </mc:Choice>
-    <mc:Fallback>
+    <mc:Fallback xmlns="">
       <p:transition>
         <p:fade/>
       </p:transition>
@@ -4723,13 +4723,13 @@
   <p:clrMapOvr>
     <a:masterClrMapping/>
   </p:clrMapOvr>
-  <mc:AlternateContent xmlns:mc="http://schemas.openxmlformats.org/markup-compatibility/2006">
-    <mc:Choice xmlns:p159="http://schemas.microsoft.com/office/powerpoint/2015/09/main" Requires="p159">
+  <mc:AlternateContent xmlns:mc="http://schemas.openxmlformats.org/markup-compatibility/2006" xmlns:p159="http://schemas.microsoft.com/office/powerpoint/2015/09/main">
+    <mc:Choice Requires="p159">
       <p:transition>
         <p159:morph option="byChar"/>
       </p:transition>
     </mc:Choice>
-    <mc:Fallback>
+    <mc:Fallback xmlns="">
       <p:transition>
         <p:fade/>
       </p:transition>
@@ -4848,13 +4848,13 @@
   <p:clrMapOvr>
     <a:masterClrMapping/>
   </p:clrMapOvr>
-  <mc:AlternateContent xmlns:mc="http://schemas.openxmlformats.org/markup-compatibility/2006">
-    <mc:Choice xmlns:p159="http://schemas.microsoft.com/office/powerpoint/2015/09/main" Requires="p159">
+  <mc:AlternateContent xmlns:mc="http://schemas.openxmlformats.org/markup-compatibility/2006" xmlns:p159="http://schemas.microsoft.com/office/powerpoint/2015/09/main">
+    <mc:Choice Requires="p159">
       <p:transition>
         <p159:morph option="byChar"/>
       </p:transition>
     </mc:Choice>
-    <mc:Fallback>
+    <mc:Fallback xmlns="">
       <p:transition>
         <p:fade/>
       </p:transition>
@@ -4986,13 +4986,13 @@
   <p:clrMapOvr>
     <a:masterClrMapping/>
   </p:clrMapOvr>
-  <mc:AlternateContent xmlns:mc="http://schemas.openxmlformats.org/markup-compatibility/2006">
-    <mc:Choice xmlns:p159="http://schemas.microsoft.com/office/powerpoint/2015/09/main" Requires="p159">
+  <mc:AlternateContent xmlns:mc="http://schemas.openxmlformats.org/markup-compatibility/2006" xmlns:p159="http://schemas.microsoft.com/office/powerpoint/2015/09/main">
+    <mc:Choice Requires="p159">
       <p:transition>
         <p159:morph option="byChar"/>
       </p:transition>
     </mc:Choice>
-    <mc:Fallback>
+    <mc:Fallback xmlns="">
       <p:transition>
         <p:fade/>
       </p:transition>
@@ -5218,13 +5218,13 @@
   <p:clrMapOvr>
     <a:masterClrMapping/>
   </p:clrMapOvr>
-  <mc:AlternateContent xmlns:mc="http://schemas.openxmlformats.org/markup-compatibility/2006">
-    <mc:Choice xmlns:p159="http://schemas.microsoft.com/office/powerpoint/2015/09/main" Requires="p159">
+  <mc:AlternateContent xmlns:mc="http://schemas.openxmlformats.org/markup-compatibility/2006" xmlns:p159="http://schemas.microsoft.com/office/powerpoint/2015/09/main">
+    <mc:Choice Requires="p159">
       <p:transition>
         <p159:morph option="byChar"/>
       </p:transition>
     </mc:Choice>
-    <mc:Fallback>
+    <mc:Fallback xmlns="">
       <p:transition>
         <p:fade/>
       </p:transition>
@@ -5282,13 +5282,13 @@
   <p:clrMapOvr>
     <a:masterClrMapping/>
   </p:clrMapOvr>
-  <mc:AlternateContent xmlns:mc="http://schemas.openxmlformats.org/markup-compatibility/2006">
-    <mc:Choice xmlns:p159="http://schemas.microsoft.com/office/powerpoint/2015/09/main" Requires="p159">
+  <mc:AlternateContent xmlns:mc="http://schemas.openxmlformats.org/markup-compatibility/2006" xmlns:p159="http://schemas.microsoft.com/office/powerpoint/2015/09/main">
+    <mc:Choice Requires="p159">
       <p:transition>
         <p159:morph option="byChar"/>
       </p:transition>
     </mc:Choice>
-    <mc:Fallback>
+    <mc:Fallback xmlns="">
       <p:transition>
         <p:fade/>
       </p:transition>
@@ -5324,13 +5324,13 @@
   <p:clrMapOvr>
     <a:masterClrMapping/>
   </p:clrMapOvr>
-  <mc:AlternateContent xmlns:mc="http://schemas.openxmlformats.org/markup-compatibility/2006">
-    <mc:Choice xmlns:p159="http://schemas.microsoft.com/office/powerpoint/2015/09/main" Requires="p159">
+  <mc:AlternateContent xmlns:mc="http://schemas.openxmlformats.org/markup-compatibility/2006" xmlns:p159="http://schemas.microsoft.com/office/powerpoint/2015/09/main">
+    <mc:Choice Requires="p159">
       <p:transition>
         <p159:morph option="byChar"/>
       </p:transition>
     </mc:Choice>
-    <mc:Fallback>
+    <mc:Fallback xmlns="">
       <p:transition>
         <p:fade/>
       </p:transition>
@@ -5546,13 +5546,13 @@
   <p:clrMapOvr>
     <a:masterClrMapping/>
   </p:clrMapOvr>
-  <mc:AlternateContent xmlns:mc="http://schemas.openxmlformats.org/markup-compatibility/2006">
-    <mc:Choice xmlns:p159="http://schemas.microsoft.com/office/powerpoint/2015/09/main" Requires="p159">
+  <mc:AlternateContent xmlns:mc="http://schemas.openxmlformats.org/markup-compatibility/2006" xmlns:p159="http://schemas.microsoft.com/office/powerpoint/2015/09/main">
+    <mc:Choice Requires="p159">
       <p:transition>
         <p159:morph option="byChar"/>
       </p:transition>
     </mc:Choice>
-    <mc:Fallback>
+    <mc:Fallback xmlns="">
       <p:transition>
         <p:fade/>
       </p:transition>
@@ -5746,13 +5746,13 @@
   <p:clrMapOvr>
     <a:masterClrMapping/>
   </p:clrMapOvr>
-  <mc:AlternateContent xmlns:mc="http://schemas.openxmlformats.org/markup-compatibility/2006">
-    <mc:Choice xmlns:p159="http://schemas.microsoft.com/office/powerpoint/2015/09/main" Requires="p159">
+  <mc:AlternateContent xmlns:mc="http://schemas.openxmlformats.org/markup-compatibility/2006" xmlns:p159="http://schemas.microsoft.com/office/powerpoint/2015/09/main">
+    <mc:Choice Requires="p159">
       <p:transition>
         <p159:morph option="byChar"/>
       </p:transition>
     </mc:Choice>
-    <mc:Fallback>
+    <mc:Fallback xmlns="">
       <p:transition>
         <p:fade/>
       </p:transition>
@@ -5866,13 +5866,13 @@
   <p:clrMapOvr>
     <a:masterClrMapping/>
   </p:clrMapOvr>
-  <mc:AlternateContent xmlns:mc="http://schemas.openxmlformats.org/markup-compatibility/2006">
-    <mc:Choice xmlns:p159="http://schemas.microsoft.com/office/powerpoint/2015/09/main" Requires="p159">
+  <mc:AlternateContent xmlns:mc="http://schemas.openxmlformats.org/markup-compatibility/2006" xmlns:p159="http://schemas.microsoft.com/office/powerpoint/2015/09/main">
+    <mc:Choice Requires="p159">
       <p:transition>
         <p159:morph option="byChar"/>
       </p:transition>
     </mc:Choice>
-    <mc:Fallback>
+    <mc:Fallback xmlns="">
       <p:transition>
         <p:fade/>
       </p:transition>
@@ -7420,13 +7420,13 @@
     <p:sldLayoutId id="2147484488" r:id="rId11"/>
     <p:sldLayoutId id="2147484489" r:id="rId12"/>
   </p:sldLayoutIdLst>
-  <mc:AlternateContent xmlns:mc="http://schemas.openxmlformats.org/markup-compatibility/2006">
-    <mc:Choice xmlns:p159="http://schemas.microsoft.com/office/powerpoint/2015/09/main" Requires="p159">
+  <mc:AlternateContent xmlns:mc="http://schemas.openxmlformats.org/markup-compatibility/2006" xmlns:p159="http://schemas.microsoft.com/office/powerpoint/2015/09/main">
+    <mc:Choice Requires="p159">
       <p:transition>
         <p159:morph option="byChar"/>
       </p:transition>
     </mc:Choice>
-    <mc:Fallback>
+    <mc:Fallback xmlns="">
       <p:transition>
         <p:fade/>
       </p:transition>
@@ -9575,13 +9575,13 @@
     <p:sldLayoutId id="2147484499" r:id="rId10"/>
     <p:sldLayoutId id="2147484500" r:id="rId11"/>
   </p:sldLayoutIdLst>
-  <mc:AlternateContent xmlns:mc="http://schemas.openxmlformats.org/markup-compatibility/2006">
-    <mc:Choice xmlns:p159="http://schemas.microsoft.com/office/powerpoint/2015/09/main" Requires="p159">
+  <mc:AlternateContent xmlns:mc="http://schemas.openxmlformats.org/markup-compatibility/2006" xmlns:p159="http://schemas.microsoft.com/office/powerpoint/2015/09/main">
+    <mc:Choice Requires="p159">
       <p:transition>
         <p159:morph option="byChar"/>
       </p:transition>
     </mc:Choice>
-    <mc:Fallback>
+    <mc:Fallback xmlns="">
       <p:transition>
         <p:fade/>
       </p:transition>
@@ -10109,13 +10109,13 @@
   <p:clrMapOvr>
     <a:masterClrMapping/>
   </p:clrMapOvr>
-  <mc:AlternateContent xmlns:mc="http://schemas.openxmlformats.org/markup-compatibility/2006">
-    <mc:Choice xmlns:p159="http://schemas.microsoft.com/office/powerpoint/2015/09/main" Requires="p159">
+  <mc:AlternateContent xmlns:mc="http://schemas.openxmlformats.org/markup-compatibility/2006" xmlns:p159="http://schemas.microsoft.com/office/powerpoint/2015/09/main">
+    <mc:Choice Requires="p159">
       <p:transition>
         <p159:morph option="byChar"/>
       </p:transition>
     </mc:Choice>
-    <mc:Fallback>
+    <mc:Fallback xmlns="">
       <p:transition>
         <p:fade/>
       </p:transition>
@@ -10273,13 +10273,13 @@
   <p:clrMapOvr>
     <a:masterClrMapping/>
   </p:clrMapOvr>
-  <mc:AlternateContent xmlns:mc="http://schemas.openxmlformats.org/markup-compatibility/2006">
-    <mc:Choice xmlns:p159="http://schemas.microsoft.com/office/powerpoint/2015/09/main" Requires="p159">
+  <mc:AlternateContent xmlns:mc="http://schemas.openxmlformats.org/markup-compatibility/2006" xmlns:p159="http://schemas.microsoft.com/office/powerpoint/2015/09/main">
+    <mc:Choice Requires="p159">
       <p:transition>
         <p159:morph option="byChar"/>
       </p:transition>
     </mc:Choice>
-    <mc:Fallback>
+    <mc:Fallback xmlns="">
       <p:transition>
         <p:fade/>
       </p:transition>
@@ -10457,13 +10457,13 @@
   <p:clrMapOvr>
     <a:masterClrMapping/>
   </p:clrMapOvr>
-  <mc:AlternateContent xmlns:mc="http://schemas.openxmlformats.org/markup-compatibility/2006">
-    <mc:Choice xmlns:p159="http://schemas.microsoft.com/office/powerpoint/2015/09/main" Requires="p159">
+  <mc:AlternateContent xmlns:mc="http://schemas.openxmlformats.org/markup-compatibility/2006" xmlns:p159="http://schemas.microsoft.com/office/powerpoint/2015/09/main">
+    <mc:Choice Requires="p159">
       <p:transition>
         <p159:morph option="byChar"/>
       </p:transition>
     </mc:Choice>
-    <mc:Fallback>
+    <mc:Fallback xmlns="">
       <p:transition>
         <p:fade/>
       </p:transition>
@@ -10679,7 +10679,7 @@
         </p:blipFill>
         <p:spPr>
           <a:xfrm>
-            <a:off x="1891932" y="1988840"/>
+            <a:off x="1691907" y="1922165"/>
             <a:ext cx="6533638" cy="4032447"/>
           </a:xfrm>
           <a:prstGeom prst="rect">
@@ -10692,13 +10692,13 @@
   <p:clrMapOvr>
     <a:masterClrMapping/>
   </p:clrMapOvr>
-  <mc:AlternateContent xmlns:mc="http://schemas.openxmlformats.org/markup-compatibility/2006">
-    <mc:Choice xmlns:p159="http://schemas.microsoft.com/office/powerpoint/2015/09/main" Requires="p159">
+  <mc:AlternateContent xmlns:mc="http://schemas.openxmlformats.org/markup-compatibility/2006" xmlns:p159="http://schemas.microsoft.com/office/powerpoint/2015/09/main">
+    <mc:Choice Requires="p159">
       <p:transition>
         <p159:morph option="byChar"/>
       </p:transition>
     </mc:Choice>
-    <mc:Fallback>
+    <mc:Fallback xmlns="">
       <p:transition>
         <p:fade/>
       </p:transition>
@@ -11217,13 +11217,13 @@
   <p:clrMapOvr>
     <a:masterClrMapping/>
   </p:clrMapOvr>
-  <mc:AlternateContent xmlns:mc="http://schemas.openxmlformats.org/markup-compatibility/2006">
-    <mc:Choice xmlns:p159="http://schemas.microsoft.com/office/powerpoint/2015/09/main" Requires="p159">
+  <mc:AlternateContent xmlns:mc="http://schemas.openxmlformats.org/markup-compatibility/2006" xmlns:p159="http://schemas.microsoft.com/office/powerpoint/2015/09/main">
+    <mc:Choice Requires="p159">
       <p:transition>
         <p159:morph option="byChar"/>
       </p:transition>
     </mc:Choice>
-    <mc:Fallback>
+    <mc:Fallback xmlns="">
       <p:transition>
         <p:fade/>
       </p:transition>
